--- a/2022-2-PreCapstoneDesign-최종보고서.pptx
+++ b/2022-2-PreCapstoneDesign-최종보고서.pptx
@@ -5,19 +5,14 @@
     <p:sldMasterId id="2147483660" r:id="rId1"/>
   </p:sldMasterIdLst>
   <p:notesMasterIdLst>
-    <p:notesMasterId r:id="rId12"/>
+    <p:notesMasterId r:id="rId7"/>
   </p:notesMasterIdLst>
   <p:sldIdLst>
     <p:sldId id="256" r:id="rId2"/>
     <p:sldId id="348" r:id="rId3"/>
-    <p:sldId id="341" r:id="rId4"/>
-    <p:sldId id="343" r:id="rId5"/>
-    <p:sldId id="346" r:id="rId6"/>
-    <p:sldId id="344" r:id="rId7"/>
-    <p:sldId id="349" r:id="rId8"/>
-    <p:sldId id="350" r:id="rId9"/>
-    <p:sldId id="352" r:id="rId10"/>
-    <p:sldId id="351" r:id="rId11"/>
+    <p:sldId id="346" r:id="rId4"/>
+    <p:sldId id="349" r:id="rId5"/>
+    <p:sldId id="350" r:id="rId6"/>
   </p:sldIdLst>
   <p:sldSz cx="9144000" cy="6858000" type="screen4x3"/>
   <p:notesSz cx="6858000" cy="9144000"/>
@@ -494,7 +489,7 @@
           <a:p>
             <a:fld id="{E7F6F9A2-9DD7-4BFD-8560-ED9D186197C6}" type="datetimeFigureOut">
               <a:rPr lang="ko-KR" altLang="en-US" smtClean="0"/>
-              <a:t>2022-12-14</a:t>
+              <a:t>2022-12-20</a:t>
             </a:fld>
             <a:endParaRPr lang="ko-KR" altLang="en-US"/>
           </a:p>
@@ -4386,306 +4381,6 @@
 </p:sld>
 </file>
 
-<file path=ppt/slides/slide10.xml><?xml version="1.0" encoding="utf-8"?>
-<p:sld xmlns:a="http://schemas.openxmlformats.org/drawingml/2006/main" xmlns:r="http://schemas.openxmlformats.org/officeDocument/2006/relationships" xmlns:p="http://schemas.openxmlformats.org/presentationml/2006/main">
-  <p:cSld>
-    <p:spTree>
-      <p:nvGrpSpPr>
-        <p:cNvPr id="1" name=""/>
-        <p:cNvGrpSpPr/>
-        <p:nvPr/>
-      </p:nvGrpSpPr>
-      <p:grpSpPr>
-        <a:xfrm>
-          <a:off x="0" y="0"/>
-          <a:ext cx="0" cy="0"/>
-          <a:chOff x="0" y="0"/>
-          <a:chExt cx="0" cy="0"/>
-        </a:xfrm>
-      </p:grpSpPr>
-      <p:sp>
-        <p:nvSpPr>
-          <p:cNvPr id="2" name="제목 1">
-            <a:extLst>
-              <a:ext uri="{FF2B5EF4-FFF2-40B4-BE49-F238E27FC236}">
-                <a16:creationId xmlns:a16="http://schemas.microsoft.com/office/drawing/2014/main" id="{E507084E-D507-C0DC-BE2E-0FF1E465D8EF}"/>
-              </a:ext>
-            </a:extLst>
-          </p:cNvPr>
-          <p:cNvSpPr>
-            <a:spLocks noGrp="1"/>
-          </p:cNvSpPr>
-          <p:nvPr>
-            <p:ph type="title"/>
-          </p:nvPr>
-        </p:nvSpPr>
-        <p:spPr/>
-        <p:txBody>
-          <a:bodyPr/>
-          <a:lstStyle/>
-          <a:p>
-            <a:r>
-              <a:rPr lang="ko-KR" altLang="en-US" dirty="0"/>
-              <a:t>역할 분담</a:t>
-            </a:r>
-          </a:p>
-        </p:txBody>
-      </p:sp>
-      <p:sp>
-        <p:nvSpPr>
-          <p:cNvPr id="3" name="내용 개체 틀 2">
-            <a:extLst>
-              <a:ext uri="{FF2B5EF4-FFF2-40B4-BE49-F238E27FC236}">
-                <a16:creationId xmlns:a16="http://schemas.microsoft.com/office/drawing/2014/main" id="{C7A332B4-6145-8410-F868-0E0D84A5D949}"/>
-              </a:ext>
-            </a:extLst>
-          </p:cNvPr>
-          <p:cNvSpPr>
-            <a:spLocks noGrp="1"/>
-          </p:cNvSpPr>
-          <p:nvPr>
-            <p:ph idx="1"/>
-          </p:nvPr>
-        </p:nvSpPr>
-        <p:spPr/>
-        <p:txBody>
-          <a:bodyPr/>
-          <a:lstStyle/>
-          <a:p>
-            <a:r>
-              <a:rPr lang="ko-KR" altLang="en-US" dirty="0"/>
-              <a:t>팀원 </a:t>
-            </a:r>
-            <a:r>
-              <a:rPr lang="en-US" altLang="ko-KR" dirty="0"/>
-              <a:t>1 : </a:t>
-            </a:r>
-            <a:r>
-              <a:rPr lang="ko-KR" altLang="en-US" dirty="0"/>
-              <a:t>기능별</a:t>
-            </a:r>
-            <a:r>
-              <a:rPr lang="en-US" altLang="ko-KR" dirty="0"/>
-              <a:t>,</a:t>
-            </a:r>
-            <a:r>
-              <a:rPr lang="ko-KR" altLang="en-US" dirty="0"/>
-              <a:t> </a:t>
-            </a:r>
-            <a:r>
-              <a:rPr lang="ko-KR" altLang="en-US" dirty="0" err="1"/>
-              <a:t>블록다이어그램의</a:t>
-            </a:r>
-            <a:r>
-              <a:rPr lang="ko-KR" altLang="en-US" dirty="0"/>
-              <a:t> </a:t>
-            </a:r>
-            <a:r>
-              <a:rPr lang="ko-KR" altLang="en-US" dirty="0" err="1"/>
-              <a:t>블록별</a:t>
-            </a:r>
-            <a:r>
-              <a:rPr lang="ko-KR" altLang="en-US" dirty="0"/>
-              <a:t> 역할</a:t>
-            </a:r>
-            <a:r>
-              <a:rPr lang="en-US" altLang="ko-KR" dirty="0"/>
-              <a:t>. </a:t>
-            </a:r>
-            <a:r>
-              <a:rPr lang="ko-KR" altLang="en-US" dirty="0"/>
-              <a:t>기타 역할</a:t>
-            </a:r>
-            <a:endParaRPr lang="en-US" altLang="ko-KR" dirty="0"/>
-          </a:p>
-          <a:p>
-            <a:r>
-              <a:rPr lang="ko-KR" altLang="en-US" dirty="0"/>
-              <a:t>팀원 </a:t>
-            </a:r>
-            <a:r>
-              <a:rPr lang="en-US" altLang="ko-KR" dirty="0"/>
-              <a:t>2 : </a:t>
-            </a:r>
-            <a:r>
-              <a:rPr lang="ko-KR" altLang="en-US" dirty="0"/>
-              <a:t>기능별</a:t>
-            </a:r>
-            <a:r>
-              <a:rPr lang="en-US" altLang="ko-KR" dirty="0"/>
-              <a:t>,</a:t>
-            </a:r>
-            <a:r>
-              <a:rPr lang="ko-KR" altLang="en-US" dirty="0"/>
-              <a:t> </a:t>
-            </a:r>
-            <a:r>
-              <a:rPr lang="ko-KR" altLang="en-US" dirty="0" err="1"/>
-              <a:t>블록다이어그램의</a:t>
-            </a:r>
-            <a:r>
-              <a:rPr lang="ko-KR" altLang="en-US" dirty="0"/>
-              <a:t> </a:t>
-            </a:r>
-            <a:r>
-              <a:rPr lang="ko-KR" altLang="en-US" dirty="0" err="1"/>
-              <a:t>블록별</a:t>
-            </a:r>
-            <a:r>
-              <a:rPr lang="ko-KR" altLang="en-US" dirty="0"/>
-              <a:t> 역할</a:t>
-            </a:r>
-            <a:r>
-              <a:rPr lang="en-US" altLang="ko-KR" dirty="0"/>
-              <a:t> . </a:t>
-            </a:r>
-            <a:r>
-              <a:rPr lang="ko-KR" altLang="en-US" dirty="0"/>
-              <a:t>기타 역할</a:t>
-            </a:r>
-            <a:endParaRPr lang="en-US" altLang="ko-KR" dirty="0"/>
-          </a:p>
-          <a:p>
-            <a:r>
-              <a:rPr lang="ko-KR" altLang="en-US" dirty="0"/>
-              <a:t>팀원 </a:t>
-            </a:r>
-            <a:r>
-              <a:rPr lang="en-US" altLang="ko-KR" dirty="0"/>
-              <a:t>3 : </a:t>
-            </a:r>
-            <a:r>
-              <a:rPr lang="ko-KR" altLang="en-US" dirty="0"/>
-              <a:t>기능별</a:t>
-            </a:r>
-            <a:r>
-              <a:rPr lang="en-US" altLang="ko-KR" dirty="0"/>
-              <a:t>,</a:t>
-            </a:r>
-            <a:r>
-              <a:rPr lang="ko-KR" altLang="en-US" dirty="0"/>
-              <a:t> </a:t>
-            </a:r>
-            <a:r>
-              <a:rPr lang="ko-KR" altLang="en-US" dirty="0" err="1"/>
-              <a:t>블록다이어그램의</a:t>
-            </a:r>
-            <a:r>
-              <a:rPr lang="ko-KR" altLang="en-US" dirty="0"/>
-              <a:t> </a:t>
-            </a:r>
-            <a:r>
-              <a:rPr lang="ko-KR" altLang="en-US" dirty="0" err="1"/>
-              <a:t>블록별</a:t>
-            </a:r>
-            <a:r>
-              <a:rPr lang="ko-KR" altLang="en-US" dirty="0"/>
-              <a:t> 역할</a:t>
-            </a:r>
-            <a:r>
-              <a:rPr lang="en-US" altLang="ko-KR" dirty="0"/>
-              <a:t> . </a:t>
-            </a:r>
-            <a:r>
-              <a:rPr lang="ko-KR" altLang="en-US" dirty="0"/>
-              <a:t>기타 역할</a:t>
-            </a:r>
-            <a:endParaRPr lang="en-US" altLang="ko-KR" dirty="0"/>
-          </a:p>
-          <a:p>
-            <a:r>
-              <a:rPr lang="ko-KR" altLang="en-US" dirty="0"/>
-              <a:t>팀원 </a:t>
-            </a:r>
-            <a:r>
-              <a:rPr lang="en-US" altLang="ko-KR" dirty="0"/>
-              <a:t>4 : </a:t>
-            </a:r>
-            <a:r>
-              <a:rPr lang="ko-KR" altLang="en-US" dirty="0"/>
-              <a:t>기능별</a:t>
-            </a:r>
-            <a:r>
-              <a:rPr lang="en-US" altLang="ko-KR" dirty="0"/>
-              <a:t>,</a:t>
-            </a:r>
-            <a:r>
-              <a:rPr lang="ko-KR" altLang="en-US" dirty="0"/>
-              <a:t> </a:t>
-            </a:r>
-            <a:r>
-              <a:rPr lang="ko-KR" altLang="en-US" dirty="0" err="1"/>
-              <a:t>블록다이어그램의</a:t>
-            </a:r>
-            <a:r>
-              <a:rPr lang="ko-KR" altLang="en-US" dirty="0"/>
-              <a:t> </a:t>
-            </a:r>
-            <a:r>
-              <a:rPr lang="ko-KR" altLang="en-US" dirty="0" err="1"/>
-              <a:t>블록별</a:t>
-            </a:r>
-            <a:r>
-              <a:rPr lang="ko-KR" altLang="en-US" dirty="0"/>
-              <a:t> 역할</a:t>
-            </a:r>
-            <a:r>
-              <a:rPr lang="en-US" altLang="ko-KR" dirty="0"/>
-              <a:t> . </a:t>
-            </a:r>
-            <a:r>
-              <a:rPr lang="ko-KR" altLang="en-US" dirty="0"/>
-              <a:t>기타 역할</a:t>
-            </a:r>
-            <a:endParaRPr lang="en-US" altLang="ko-KR" dirty="0"/>
-          </a:p>
-          <a:p>
-            <a:endParaRPr lang="en-US" altLang="ko-KR" dirty="0"/>
-          </a:p>
-        </p:txBody>
-      </p:sp>
-      <p:sp>
-        <p:nvSpPr>
-          <p:cNvPr id="4" name="슬라이드 번호 개체 틀 3">
-            <a:extLst>
-              <a:ext uri="{FF2B5EF4-FFF2-40B4-BE49-F238E27FC236}">
-                <a16:creationId xmlns:a16="http://schemas.microsoft.com/office/drawing/2014/main" id="{FBF816CC-C3A7-1BBF-BAAC-05F1F5B220B2}"/>
-              </a:ext>
-            </a:extLst>
-          </p:cNvPr>
-          <p:cNvSpPr>
-            <a:spLocks noGrp="1"/>
-          </p:cNvSpPr>
-          <p:nvPr>
-            <p:ph type="sldNum" sz="quarter" idx="12"/>
-          </p:nvPr>
-        </p:nvSpPr>
-        <p:spPr/>
-        <p:txBody>
-          <a:bodyPr/>
-          <a:lstStyle/>
-          <a:p>
-            <a:fld id="{2F00E46C-ED49-42AD-BB6D-7499E1F08A71}" type="slidenum">
-              <a:rPr lang="ko-KR" altLang="en-US" smtClean="0"/>
-              <a:t>10</a:t>
-            </a:fld>
-            <a:endParaRPr lang="ko-KR" altLang="en-US"/>
-          </a:p>
-        </p:txBody>
-      </p:sp>
-    </p:spTree>
-    <p:extLst>
-      <p:ext uri="{BB962C8B-B14F-4D97-AF65-F5344CB8AC3E}">
-        <p14:creationId xmlns:p14="http://schemas.microsoft.com/office/powerpoint/2010/main" val="1565239688"/>
-      </p:ext>
-    </p:extLst>
-  </p:cSld>
-  <p:clrMapOvr>
-    <a:masterClrMapping/>
-  </p:clrMapOvr>
-</p:sld>
-</file>
-
 <file path=ppt/slides/slide2.xml><?xml version="1.0" encoding="utf-8"?>
 <p:sld xmlns:a="http://schemas.openxmlformats.org/drawingml/2006/main" xmlns:r="http://schemas.openxmlformats.org/officeDocument/2006/relationships" xmlns:p="http://schemas.openxmlformats.org/presentationml/2006/main">
   <p:cSld>
@@ -4900,847 +4595,6 @@
           <p:cNvPr id="2" name="제목 1">
             <a:extLst>
               <a:ext uri="{FF2B5EF4-FFF2-40B4-BE49-F238E27FC236}">
-                <a16:creationId xmlns:a16="http://schemas.microsoft.com/office/drawing/2014/main" id="{FE9D4C76-E5C7-9A76-B020-4ED762D30088}"/>
-              </a:ext>
-            </a:extLst>
-          </p:cNvPr>
-          <p:cNvSpPr>
-            <a:spLocks noGrp="1"/>
-          </p:cNvSpPr>
-          <p:nvPr>
-            <p:ph type="title"/>
-          </p:nvPr>
-        </p:nvSpPr>
-        <p:spPr/>
-        <p:txBody>
-          <a:bodyPr/>
-          <a:lstStyle/>
-          <a:p>
-            <a:r>
-              <a:rPr lang="ko-KR" altLang="en-US" dirty="0"/>
-              <a:t>관련 제품 조사 및 분석</a:t>
-            </a:r>
-          </a:p>
-        </p:txBody>
-      </p:sp>
-      <p:sp>
-        <p:nvSpPr>
-          <p:cNvPr id="3" name="내용 개체 틀 2">
-            <a:extLst>
-              <a:ext uri="{FF2B5EF4-FFF2-40B4-BE49-F238E27FC236}">
-                <a16:creationId xmlns:a16="http://schemas.microsoft.com/office/drawing/2014/main" id="{87618EF2-A716-1517-1B8D-3D39C7A34D6B}"/>
-              </a:ext>
-            </a:extLst>
-          </p:cNvPr>
-          <p:cNvSpPr>
-            <a:spLocks noGrp="1"/>
-          </p:cNvSpPr>
-          <p:nvPr>
-            <p:ph idx="1"/>
-          </p:nvPr>
-        </p:nvSpPr>
-        <p:spPr/>
-        <p:txBody>
-          <a:bodyPr/>
-          <a:lstStyle/>
-          <a:p>
-            <a:pPr lvl="1"/>
-            <a:r>
-              <a:rPr lang="ko-KR" altLang="en-US" dirty="0"/>
-              <a:t>개발하는 제품</a:t>
-            </a:r>
-            <a:r>
-              <a:rPr lang="en-US" altLang="ko-KR" dirty="0"/>
-              <a:t>/</a:t>
-            </a:r>
-            <a:r>
-              <a:rPr lang="ko-KR" altLang="en-US" dirty="0"/>
-              <a:t>서비스과 유사한 제품</a:t>
-            </a:r>
-            <a:r>
-              <a:rPr lang="en-US" altLang="ko-KR" dirty="0"/>
-              <a:t>/</a:t>
-            </a:r>
-            <a:r>
-              <a:rPr lang="ko-KR" altLang="en-US" dirty="0"/>
-              <a:t>서비스를 조사할 것</a:t>
-            </a:r>
-            <a:endParaRPr lang="en-US" altLang="ko-KR" dirty="0"/>
-          </a:p>
-          <a:p>
-            <a:pPr lvl="1"/>
-            <a:r>
-              <a:rPr lang="ko-KR" altLang="en-US" dirty="0"/>
-              <a:t>유사 제품</a:t>
-            </a:r>
-            <a:r>
-              <a:rPr lang="en-US" altLang="ko-KR" dirty="0"/>
-              <a:t>/</a:t>
-            </a:r>
-            <a:r>
-              <a:rPr lang="ko-KR" altLang="en-US" dirty="0"/>
-              <a:t>서비스와 비교 분석 수행하여 차별성</a:t>
-            </a:r>
-            <a:r>
-              <a:rPr lang="en-US" altLang="ko-KR" dirty="0"/>
-              <a:t>, </a:t>
-            </a:r>
-            <a:r>
-              <a:rPr lang="ko-KR" altLang="en-US" dirty="0"/>
-              <a:t>장점 등을 정리해 </a:t>
-            </a:r>
-            <a:r>
-              <a:rPr lang="ko-KR" altLang="en-US" dirty="0" err="1"/>
-              <a:t>볼것</a:t>
-            </a:r>
-            <a:endParaRPr lang="en-US" altLang="ko-KR" dirty="0"/>
-          </a:p>
-          <a:p>
-            <a:pPr lvl="1"/>
-            <a:r>
-              <a:rPr lang="ko-KR" altLang="en-US" dirty="0"/>
-              <a:t>정확하게 개발하려는 제품과 </a:t>
-            </a:r>
-            <a:r>
-              <a:rPr lang="en-US" altLang="ko-KR" dirty="0"/>
-              <a:t>concept </a:t>
-            </a:r>
-            <a:r>
-              <a:rPr lang="ko-KR" altLang="en-US" dirty="0"/>
-              <a:t>이 일치하는 것이 없으면 최대한 유사한 것들로 조사해 볼 것</a:t>
-            </a:r>
-            <a:r>
-              <a:rPr lang="en-US" altLang="ko-KR" dirty="0"/>
-              <a:t> (</a:t>
-            </a:r>
-            <a:r>
-              <a:rPr lang="ko-KR" altLang="en-US" dirty="0"/>
-              <a:t>최소 </a:t>
-            </a:r>
-            <a:r>
-              <a:rPr lang="en-US" altLang="ko-KR" dirty="0"/>
-              <a:t>3</a:t>
-            </a:r>
-            <a:r>
-              <a:rPr lang="ko-KR" altLang="en-US" dirty="0"/>
-              <a:t>개</a:t>
-            </a:r>
-            <a:r>
-              <a:rPr lang="en-US" altLang="ko-KR" dirty="0"/>
-              <a:t>)</a:t>
-            </a:r>
-            <a:r>
-              <a:rPr lang="ko-KR" altLang="en-US" dirty="0"/>
-              <a:t> </a:t>
-            </a:r>
-            <a:endParaRPr lang="en-US" altLang="ko-KR" dirty="0"/>
-          </a:p>
-        </p:txBody>
-      </p:sp>
-      <p:sp>
-        <p:nvSpPr>
-          <p:cNvPr id="4" name="슬라이드 번호 개체 틀 3">
-            <a:extLst>
-              <a:ext uri="{FF2B5EF4-FFF2-40B4-BE49-F238E27FC236}">
-                <a16:creationId xmlns:a16="http://schemas.microsoft.com/office/drawing/2014/main" id="{34EA502E-ECCE-B72D-33D7-CF571EDFEACF}"/>
-              </a:ext>
-            </a:extLst>
-          </p:cNvPr>
-          <p:cNvSpPr>
-            <a:spLocks noGrp="1"/>
-          </p:cNvSpPr>
-          <p:nvPr>
-            <p:ph type="sldNum" sz="quarter" idx="12"/>
-          </p:nvPr>
-        </p:nvSpPr>
-        <p:spPr/>
-        <p:txBody>
-          <a:bodyPr/>
-          <a:lstStyle/>
-          <a:p>
-            <a:fld id="{2F00E46C-ED49-42AD-BB6D-7499E1F08A71}" type="slidenum">
-              <a:rPr lang="ko-KR" altLang="en-US" smtClean="0"/>
-              <a:t>3</a:t>
-            </a:fld>
-            <a:endParaRPr lang="ko-KR" altLang="en-US"/>
-          </a:p>
-        </p:txBody>
-      </p:sp>
-      <p:graphicFrame>
-        <p:nvGraphicFramePr>
-          <p:cNvPr id="5" name="표 5">
-            <a:extLst>
-              <a:ext uri="{FF2B5EF4-FFF2-40B4-BE49-F238E27FC236}">
-                <a16:creationId xmlns:a16="http://schemas.microsoft.com/office/drawing/2014/main" id="{E920DE70-90AF-06BE-33D3-C3FDD31169D5}"/>
-              </a:ext>
-            </a:extLst>
-          </p:cNvPr>
-          <p:cNvGraphicFramePr>
-            <a:graphicFrameLocks/>
-          </p:cNvGraphicFramePr>
-          <p:nvPr>
-            <p:extLst>
-              <p:ext uri="{D42A27DB-BD31-4B8C-83A1-F6EECF244321}">
-                <p14:modId xmlns:p14="http://schemas.microsoft.com/office/powerpoint/2010/main" val="1793972350"/>
-              </p:ext>
-            </p:extLst>
-          </p:nvPr>
-        </p:nvGraphicFramePr>
-        <p:xfrm>
-          <a:off x="625956" y="2897933"/>
-          <a:ext cx="8078097" cy="2377440"/>
-        </p:xfrm>
-        <a:graphic>
-          <a:graphicData uri="http://schemas.openxmlformats.org/drawingml/2006/table">
-            <a:tbl>
-              <a:tblPr firstRow="1" bandRow="1">
-                <a:tableStyleId>{5940675A-B579-460E-94D1-54222C63F5DA}</a:tableStyleId>
-              </a:tblPr>
-              <a:tblGrid>
-                <a:gridCol w="1816445">
-                  <a:extLst>
-                    <a:ext uri="{9D8B030D-6E8A-4147-A177-3AD203B41FA5}">
-                      <a16:colId xmlns:a16="http://schemas.microsoft.com/office/drawing/2014/main" val="3866502814"/>
-                    </a:ext>
-                  </a:extLst>
-                </a:gridCol>
-                <a:gridCol w="4025347">
-                  <a:extLst>
-                    <a:ext uri="{9D8B030D-6E8A-4147-A177-3AD203B41FA5}">
-                      <a16:colId xmlns:a16="http://schemas.microsoft.com/office/drawing/2014/main" val="3941804966"/>
-                    </a:ext>
-                  </a:extLst>
-                </a:gridCol>
-                <a:gridCol w="2236305">
-                  <a:extLst>
-                    <a:ext uri="{9D8B030D-6E8A-4147-A177-3AD203B41FA5}">
-                      <a16:colId xmlns:a16="http://schemas.microsoft.com/office/drawing/2014/main" val="601597584"/>
-                    </a:ext>
-                  </a:extLst>
-                </a:gridCol>
-              </a:tblGrid>
-              <a:tr h="370840">
-                <a:tc>
-                  <a:txBody>
-                    <a:bodyPr/>
-                    <a:lstStyle/>
-                    <a:p>
-                      <a:pPr latinLnBrk="1"/>
-                      <a:r>
-                        <a:rPr lang="ko-KR" altLang="en-US" sz="1200" dirty="0"/>
-                        <a:t>유사 제품</a:t>
-                      </a:r>
-                      <a:r>
-                        <a:rPr lang="en-US" altLang="ko-KR" sz="1200" dirty="0"/>
-                        <a:t>/</a:t>
-                      </a:r>
-                      <a:r>
-                        <a:rPr lang="ko-KR" altLang="en-US" sz="1200" dirty="0"/>
-                        <a:t>서비스 명</a:t>
-                      </a:r>
-                      <a:endParaRPr lang="en-US" altLang="ko-KR" sz="1200" dirty="0"/>
-                    </a:p>
-                    <a:p>
-                      <a:pPr latinLnBrk="1"/>
-                      <a:r>
-                        <a:rPr lang="en-US" altLang="ko-KR" sz="1200" dirty="0"/>
-                        <a:t>(</a:t>
-                      </a:r>
-                      <a:r>
-                        <a:rPr lang="ko-KR" altLang="en-US" sz="1200" dirty="0"/>
-                        <a:t>개발사</a:t>
-                      </a:r>
-                      <a:r>
-                        <a:rPr lang="en-US" altLang="ko-KR" sz="1200" dirty="0"/>
-                        <a:t>)</a:t>
-                      </a:r>
-                      <a:endParaRPr lang="ko-KR" altLang="en-US" sz="1200" dirty="0"/>
-                    </a:p>
-                  </a:txBody>
-                  <a:tcPr/>
-                </a:tc>
-                <a:tc>
-                  <a:txBody>
-                    <a:bodyPr/>
-                    <a:lstStyle/>
-                    <a:p>
-                      <a:pPr latinLnBrk="1"/>
-                      <a:r>
-                        <a:rPr lang="ko-KR" altLang="en-US" sz="1200" dirty="0"/>
-                        <a:t>유사 제품</a:t>
-                      </a:r>
-                      <a:r>
-                        <a:rPr lang="en-US" altLang="ko-KR" sz="1200" dirty="0"/>
-                        <a:t>/</a:t>
-                      </a:r>
-                      <a:r>
-                        <a:rPr lang="ko-KR" altLang="en-US" sz="1200" dirty="0"/>
-                        <a:t>서비스 주요 내용</a:t>
-                      </a:r>
-                    </a:p>
-                  </a:txBody>
-                  <a:tcPr/>
-                </a:tc>
-                <a:tc>
-                  <a:txBody>
-                    <a:bodyPr/>
-                    <a:lstStyle/>
-                    <a:p>
-                      <a:pPr latinLnBrk="1"/>
-                      <a:r>
-                        <a:rPr lang="ko-KR" altLang="en-US" sz="1200" dirty="0"/>
-                        <a:t>개발하려는 제품</a:t>
-                      </a:r>
-                      <a:r>
-                        <a:rPr lang="en-US" altLang="ko-KR" sz="1200" dirty="0"/>
-                        <a:t>/</a:t>
-                      </a:r>
-                      <a:r>
-                        <a:rPr lang="ko-KR" altLang="en-US" sz="1200" dirty="0"/>
-                        <a:t>서비스와의 차별성</a:t>
-                      </a:r>
-                    </a:p>
-                  </a:txBody>
-                  <a:tcPr/>
-                </a:tc>
-                <a:extLst>
-                  <a:ext uri="{0D108BD9-81ED-4DB2-BD59-A6C34878D82A}">
-                    <a16:rowId xmlns:a16="http://schemas.microsoft.com/office/drawing/2014/main" val="298151624"/>
-                  </a:ext>
-                </a:extLst>
-              </a:tr>
-              <a:tr h="370840">
-                <a:tc>
-                  <a:txBody>
-                    <a:bodyPr/>
-                    <a:lstStyle/>
-                    <a:p>
-                      <a:pPr latinLnBrk="1"/>
-                      <a:r>
-                        <a:rPr lang="ko-KR" altLang="en-US" sz="1200" dirty="0"/>
-                        <a:t>제품명 </a:t>
-                      </a:r>
-                      <a:r>
-                        <a:rPr lang="en-US" altLang="ko-KR" sz="1200" dirty="0"/>
-                        <a:t>(</a:t>
-                      </a:r>
-                      <a:r>
-                        <a:rPr lang="ko-KR" altLang="en-US" sz="1200" dirty="0"/>
-                        <a:t>개발사</a:t>
-                      </a:r>
-                      <a:r>
-                        <a:rPr lang="en-US" altLang="ko-KR" sz="1200" dirty="0"/>
-                        <a:t>)</a:t>
-                      </a:r>
-                    </a:p>
-                    <a:p>
-                      <a:pPr latinLnBrk="1"/>
-                      <a:r>
-                        <a:rPr lang="ko-KR" altLang="en-US" sz="1200" dirty="0"/>
-                        <a:t>참조 가능한 웹사이트 </a:t>
-                      </a:r>
-                      <a:r>
-                        <a:rPr lang="en-US" altLang="ko-KR" sz="1200" dirty="0"/>
-                        <a:t>URL</a:t>
-                      </a:r>
-                      <a:endParaRPr lang="ko-KR" altLang="en-US" sz="1200" dirty="0"/>
-                    </a:p>
-                  </a:txBody>
-                  <a:tcPr/>
-                </a:tc>
-                <a:tc>
-                  <a:txBody>
-                    <a:bodyPr/>
-                    <a:lstStyle/>
-                    <a:p>
-                      <a:pPr marL="171450" indent="-171450" latinLnBrk="1">
-                        <a:buFontTx/>
-                        <a:buChar char="-"/>
-                      </a:pPr>
-                      <a:r>
-                        <a:rPr lang="ko-KR" altLang="en-US" sz="1200" dirty="0"/>
-                        <a:t>제품</a:t>
-                      </a:r>
-                      <a:r>
-                        <a:rPr lang="en-US" altLang="ko-KR" sz="1200" dirty="0"/>
-                        <a:t>/</a:t>
-                      </a:r>
-                      <a:r>
-                        <a:rPr lang="ko-KR" altLang="en-US" sz="1200" dirty="0"/>
-                        <a:t>서비스 개념 </a:t>
-                      </a:r>
-                      <a:r>
-                        <a:rPr lang="en-US" altLang="ko-KR" sz="1200" dirty="0"/>
-                        <a:t>(</a:t>
-                      </a:r>
-                      <a:r>
-                        <a:rPr lang="ko-KR" altLang="en-US" sz="1200" dirty="0"/>
-                        <a:t>필요하면 그림 등도 추가</a:t>
-                      </a:r>
-                      <a:r>
-                        <a:rPr lang="en-US" altLang="ko-KR" sz="1200" dirty="0"/>
-                        <a:t>)</a:t>
-                      </a:r>
-                    </a:p>
-                    <a:p>
-                      <a:pPr marL="171450" indent="-171450" latinLnBrk="1">
-                        <a:buFontTx/>
-                        <a:buChar char="-"/>
-                      </a:pPr>
-                      <a:r>
-                        <a:rPr lang="ko-KR" altLang="en-US" sz="1200" dirty="0"/>
-                        <a:t>주요 기능</a:t>
-                      </a:r>
-                      <a:endParaRPr lang="en-US" altLang="ko-KR" sz="1200" dirty="0"/>
-                    </a:p>
-                    <a:p>
-                      <a:pPr marL="171450" indent="-171450" latinLnBrk="1">
-                        <a:buFontTx/>
-                        <a:buChar char="-"/>
-                      </a:pPr>
-                      <a:r>
-                        <a:rPr lang="ko-KR" altLang="en-US" sz="1200" dirty="0"/>
-                        <a:t>특장점</a:t>
-                      </a:r>
-                    </a:p>
-                  </a:txBody>
-                  <a:tcPr/>
-                </a:tc>
-                <a:tc>
-                  <a:txBody>
-                    <a:bodyPr/>
-                    <a:lstStyle/>
-                    <a:p>
-                      <a:pPr latinLnBrk="1"/>
-                      <a:r>
-                        <a:rPr lang="en-US" altLang="ko-KR" sz="1200" dirty="0"/>
-                        <a:t>- </a:t>
-                      </a:r>
-                      <a:r>
-                        <a:rPr lang="ko-KR" altLang="en-US" sz="1200" dirty="0"/>
-                        <a:t>차별성은 기술적인 차별성</a:t>
-                      </a:r>
-                      <a:r>
-                        <a:rPr lang="en-US" altLang="ko-KR" sz="1200" dirty="0"/>
-                        <a:t>, </a:t>
-                      </a:r>
-                      <a:r>
-                        <a:rPr lang="ko-KR" altLang="en-US" sz="1200" dirty="0"/>
-                        <a:t>개념적인 차별성 등 어떤 것이든 좋음</a:t>
-                      </a:r>
-                    </a:p>
-                  </a:txBody>
-                  <a:tcPr/>
-                </a:tc>
-                <a:extLst>
-                  <a:ext uri="{0D108BD9-81ED-4DB2-BD59-A6C34878D82A}">
-                    <a16:rowId xmlns:a16="http://schemas.microsoft.com/office/drawing/2014/main" val="103744073"/>
-                  </a:ext>
-                </a:extLst>
-              </a:tr>
-              <a:tr h="370840">
-                <a:tc>
-                  <a:txBody>
-                    <a:bodyPr/>
-                    <a:lstStyle/>
-                    <a:p>
-                      <a:pPr latinLnBrk="1"/>
-                      <a:r>
-                        <a:rPr lang="ko-KR" altLang="en-US" sz="1200" dirty="0"/>
-                        <a:t>제품명 </a:t>
-                      </a:r>
-                      <a:r>
-                        <a:rPr lang="en-US" altLang="ko-KR" sz="1200" dirty="0"/>
-                        <a:t>(</a:t>
-                      </a:r>
-                      <a:r>
-                        <a:rPr lang="ko-KR" altLang="en-US" sz="1200" dirty="0"/>
-                        <a:t>개발사</a:t>
-                      </a:r>
-                      <a:r>
-                        <a:rPr lang="en-US" altLang="ko-KR" sz="1200" dirty="0"/>
-                        <a:t>)</a:t>
-                      </a:r>
-                    </a:p>
-                    <a:p>
-                      <a:pPr latinLnBrk="1"/>
-                      <a:r>
-                        <a:rPr lang="ko-KR" altLang="en-US" sz="1200" dirty="0"/>
-                        <a:t>참조 가능한 웹사이트 </a:t>
-                      </a:r>
-                      <a:r>
-                        <a:rPr lang="en-US" altLang="ko-KR" sz="1200" dirty="0"/>
-                        <a:t>URL</a:t>
-                      </a:r>
-                      <a:endParaRPr lang="ko-KR" altLang="en-US" sz="1200" dirty="0"/>
-                    </a:p>
-                  </a:txBody>
-                  <a:tcPr/>
-                </a:tc>
-                <a:tc>
-                  <a:txBody>
-                    <a:bodyPr/>
-                    <a:lstStyle/>
-                    <a:p>
-                      <a:pPr marL="171450" indent="-171450" latinLnBrk="1">
-                        <a:buFontTx/>
-                        <a:buChar char="-"/>
-                      </a:pPr>
-                      <a:r>
-                        <a:rPr lang="ko-KR" altLang="en-US" sz="1200" dirty="0"/>
-                        <a:t>제품</a:t>
-                      </a:r>
-                      <a:r>
-                        <a:rPr lang="en-US" altLang="ko-KR" sz="1200" dirty="0"/>
-                        <a:t>/</a:t>
-                      </a:r>
-                      <a:r>
-                        <a:rPr lang="ko-KR" altLang="en-US" sz="1200" dirty="0"/>
-                        <a:t>서비스 개념 </a:t>
-                      </a:r>
-                      <a:r>
-                        <a:rPr lang="en-US" altLang="ko-KR" sz="1200" dirty="0"/>
-                        <a:t>(</a:t>
-                      </a:r>
-                      <a:r>
-                        <a:rPr lang="ko-KR" altLang="en-US" sz="1200" dirty="0"/>
-                        <a:t>필요하면 그림 등도 추가</a:t>
-                      </a:r>
-                      <a:r>
-                        <a:rPr lang="en-US" altLang="ko-KR" sz="1200" dirty="0"/>
-                        <a:t>)</a:t>
-                      </a:r>
-                    </a:p>
-                    <a:p>
-                      <a:pPr marL="171450" indent="-171450" latinLnBrk="1">
-                        <a:buFontTx/>
-                        <a:buChar char="-"/>
-                      </a:pPr>
-                      <a:r>
-                        <a:rPr lang="ko-KR" altLang="en-US" sz="1200" dirty="0"/>
-                        <a:t>주요 기능</a:t>
-                      </a:r>
-                      <a:endParaRPr lang="en-US" altLang="ko-KR" sz="1200" dirty="0"/>
-                    </a:p>
-                    <a:p>
-                      <a:pPr marL="171450" indent="-171450" latinLnBrk="1">
-                        <a:buFontTx/>
-                        <a:buChar char="-"/>
-                      </a:pPr>
-                      <a:r>
-                        <a:rPr lang="ko-KR" altLang="en-US" sz="1200" dirty="0"/>
-                        <a:t>특장점</a:t>
-                      </a:r>
-                    </a:p>
-                  </a:txBody>
-                  <a:tcPr/>
-                </a:tc>
-                <a:tc>
-                  <a:txBody>
-                    <a:bodyPr/>
-                    <a:lstStyle/>
-                    <a:p>
-                      <a:pPr latinLnBrk="1"/>
-                      <a:endParaRPr lang="ko-KR" altLang="en-US" sz="1200" dirty="0"/>
-                    </a:p>
-                  </a:txBody>
-                  <a:tcPr/>
-                </a:tc>
-                <a:extLst>
-                  <a:ext uri="{0D108BD9-81ED-4DB2-BD59-A6C34878D82A}">
-                    <a16:rowId xmlns:a16="http://schemas.microsoft.com/office/drawing/2014/main" val="4262808540"/>
-                  </a:ext>
-                </a:extLst>
-              </a:tr>
-              <a:tr h="370840">
-                <a:tc>
-                  <a:txBody>
-                    <a:bodyPr/>
-                    <a:lstStyle/>
-                    <a:p>
-                      <a:pPr latinLnBrk="1"/>
-                      <a:r>
-                        <a:rPr lang="ko-KR" altLang="en-US" sz="1200" dirty="0"/>
-                        <a:t>제품명 </a:t>
-                      </a:r>
-                      <a:r>
-                        <a:rPr lang="en-US" altLang="ko-KR" sz="1200" dirty="0"/>
-                        <a:t>(</a:t>
-                      </a:r>
-                      <a:r>
-                        <a:rPr lang="ko-KR" altLang="en-US" sz="1200" dirty="0"/>
-                        <a:t>개발사</a:t>
-                      </a:r>
-                      <a:r>
-                        <a:rPr lang="en-US" altLang="ko-KR" sz="1200" dirty="0"/>
-                        <a:t>)</a:t>
-                      </a:r>
-                    </a:p>
-                    <a:p>
-                      <a:pPr latinLnBrk="1"/>
-                      <a:r>
-                        <a:rPr lang="ko-KR" altLang="en-US" sz="1200" dirty="0"/>
-                        <a:t>참조 가능한 웹사이트 </a:t>
-                      </a:r>
-                      <a:r>
-                        <a:rPr lang="en-US" altLang="ko-KR" sz="1200" dirty="0"/>
-                        <a:t>URL</a:t>
-                      </a:r>
-                      <a:endParaRPr lang="ko-KR" altLang="en-US" sz="1200" dirty="0"/>
-                    </a:p>
-                  </a:txBody>
-                  <a:tcPr/>
-                </a:tc>
-                <a:tc>
-                  <a:txBody>
-                    <a:bodyPr/>
-                    <a:lstStyle/>
-                    <a:p>
-                      <a:pPr marL="171450" indent="-171450" latinLnBrk="1">
-                        <a:buFontTx/>
-                        <a:buChar char="-"/>
-                      </a:pPr>
-                      <a:r>
-                        <a:rPr lang="ko-KR" altLang="en-US" sz="1200" dirty="0"/>
-                        <a:t>제품</a:t>
-                      </a:r>
-                      <a:r>
-                        <a:rPr lang="en-US" altLang="ko-KR" sz="1200" dirty="0"/>
-                        <a:t>/</a:t>
-                      </a:r>
-                      <a:r>
-                        <a:rPr lang="ko-KR" altLang="en-US" sz="1200" dirty="0"/>
-                        <a:t>서비스 개념 </a:t>
-                      </a:r>
-                      <a:r>
-                        <a:rPr lang="en-US" altLang="ko-KR" sz="1200" dirty="0"/>
-                        <a:t>(</a:t>
-                      </a:r>
-                      <a:r>
-                        <a:rPr lang="ko-KR" altLang="en-US" sz="1200" dirty="0"/>
-                        <a:t>필요하면 그림 등도 추가</a:t>
-                      </a:r>
-                      <a:r>
-                        <a:rPr lang="en-US" altLang="ko-KR" sz="1200" dirty="0"/>
-                        <a:t>)</a:t>
-                      </a:r>
-                    </a:p>
-                    <a:p>
-                      <a:pPr marL="171450" indent="-171450" latinLnBrk="1">
-                        <a:buFontTx/>
-                        <a:buChar char="-"/>
-                      </a:pPr>
-                      <a:r>
-                        <a:rPr lang="ko-KR" altLang="en-US" sz="1200" dirty="0"/>
-                        <a:t>주요 기능</a:t>
-                      </a:r>
-                      <a:endParaRPr lang="en-US" altLang="ko-KR" sz="1200" dirty="0"/>
-                    </a:p>
-                    <a:p>
-                      <a:pPr marL="171450" indent="-171450" latinLnBrk="1">
-                        <a:buFontTx/>
-                        <a:buChar char="-"/>
-                      </a:pPr>
-                      <a:r>
-                        <a:rPr lang="ko-KR" altLang="en-US" sz="1200" dirty="0"/>
-                        <a:t>특장점</a:t>
-                      </a:r>
-                    </a:p>
-                  </a:txBody>
-                  <a:tcPr/>
-                </a:tc>
-                <a:tc>
-                  <a:txBody>
-                    <a:bodyPr/>
-                    <a:lstStyle/>
-                    <a:p>
-                      <a:pPr latinLnBrk="1"/>
-                      <a:endParaRPr lang="ko-KR" altLang="en-US" sz="1200" dirty="0"/>
-                    </a:p>
-                  </a:txBody>
-                  <a:tcPr/>
-                </a:tc>
-                <a:extLst>
-                  <a:ext uri="{0D108BD9-81ED-4DB2-BD59-A6C34878D82A}">
-                    <a16:rowId xmlns:a16="http://schemas.microsoft.com/office/drawing/2014/main" val="750681990"/>
-                  </a:ext>
-                </a:extLst>
-              </a:tr>
-            </a:tbl>
-          </a:graphicData>
-        </a:graphic>
-      </p:graphicFrame>
-    </p:spTree>
-    <p:extLst>
-      <p:ext uri="{BB962C8B-B14F-4D97-AF65-F5344CB8AC3E}">
-        <p14:creationId xmlns:p14="http://schemas.microsoft.com/office/powerpoint/2010/main" val="521887180"/>
-      </p:ext>
-    </p:extLst>
-  </p:cSld>
-  <p:clrMapOvr>
-    <a:masterClrMapping/>
-  </p:clrMapOvr>
-</p:sld>
-</file>
-
-<file path=ppt/slides/slide4.xml><?xml version="1.0" encoding="utf-8"?>
-<p:sld xmlns:a="http://schemas.openxmlformats.org/drawingml/2006/main" xmlns:r="http://schemas.openxmlformats.org/officeDocument/2006/relationships" xmlns:p="http://schemas.openxmlformats.org/presentationml/2006/main">
-  <p:cSld>
-    <p:spTree>
-      <p:nvGrpSpPr>
-        <p:cNvPr id="1" name=""/>
-        <p:cNvGrpSpPr/>
-        <p:nvPr/>
-      </p:nvGrpSpPr>
-      <p:grpSpPr>
-        <a:xfrm>
-          <a:off x="0" y="0"/>
-          <a:ext cx="0" cy="0"/>
-          <a:chOff x="0" y="0"/>
-          <a:chExt cx="0" cy="0"/>
-        </a:xfrm>
-      </p:grpSpPr>
-      <p:sp>
-        <p:nvSpPr>
-          <p:cNvPr id="2" name="제목 1">
-            <a:extLst>
-              <a:ext uri="{FF2B5EF4-FFF2-40B4-BE49-F238E27FC236}">
-                <a16:creationId xmlns:a16="http://schemas.microsoft.com/office/drawing/2014/main" id="{45D92B32-22A5-1A94-0CA6-734092EDE49A}"/>
-              </a:ext>
-            </a:extLst>
-          </p:cNvPr>
-          <p:cNvSpPr>
-            <a:spLocks noGrp="1"/>
-          </p:cNvSpPr>
-          <p:nvPr>
-            <p:ph type="title"/>
-          </p:nvPr>
-        </p:nvSpPr>
-        <p:spPr/>
-        <p:txBody>
-          <a:bodyPr/>
-          <a:lstStyle/>
-          <a:p>
-            <a:r>
-              <a:rPr lang="ko-KR" altLang="en-US" dirty="0"/>
-              <a:t>관련 제품 조사 및 분석</a:t>
-            </a:r>
-          </a:p>
-        </p:txBody>
-      </p:sp>
-      <p:sp>
-        <p:nvSpPr>
-          <p:cNvPr id="3" name="내용 개체 틀 2">
-            <a:extLst>
-              <a:ext uri="{FF2B5EF4-FFF2-40B4-BE49-F238E27FC236}">
-                <a16:creationId xmlns:a16="http://schemas.microsoft.com/office/drawing/2014/main" id="{06630640-8A47-B5B8-B80A-2F704E892216}"/>
-              </a:ext>
-            </a:extLst>
-          </p:cNvPr>
-          <p:cNvSpPr>
-            <a:spLocks noGrp="1"/>
-          </p:cNvSpPr>
-          <p:nvPr>
-            <p:ph idx="1"/>
-          </p:nvPr>
-        </p:nvSpPr>
-        <p:spPr/>
-        <p:txBody>
-          <a:bodyPr/>
-          <a:lstStyle/>
-          <a:p>
-            <a:r>
-              <a:rPr lang="ko-KR" altLang="en-US" dirty="0"/>
-              <a:t>대표 유사 제품</a:t>
-            </a:r>
-            <a:r>
-              <a:rPr lang="en-US" altLang="ko-KR" dirty="0"/>
-              <a:t>/</a:t>
-            </a:r>
-            <a:r>
-              <a:rPr lang="ko-KR" altLang="en-US" dirty="0"/>
-              <a:t>서비스에 대한 기술 분석</a:t>
-            </a:r>
-            <a:endParaRPr lang="en-US" altLang="ko-KR" dirty="0"/>
-          </a:p>
-          <a:p>
-            <a:pPr lvl="1"/>
-            <a:r>
-              <a:rPr lang="ko-KR" altLang="en-US" dirty="0"/>
-              <a:t>어떤 기술을 적용하고 있는지 기술할 것</a:t>
-            </a:r>
-            <a:r>
-              <a:rPr lang="en-US" altLang="ko-KR" dirty="0"/>
-              <a:t>.</a:t>
-            </a:r>
-            <a:endParaRPr lang="ko-KR" altLang="en-US" dirty="0"/>
-          </a:p>
-        </p:txBody>
-      </p:sp>
-      <p:sp>
-        <p:nvSpPr>
-          <p:cNvPr id="4" name="슬라이드 번호 개체 틀 3">
-            <a:extLst>
-              <a:ext uri="{FF2B5EF4-FFF2-40B4-BE49-F238E27FC236}">
-                <a16:creationId xmlns:a16="http://schemas.microsoft.com/office/drawing/2014/main" id="{29E55110-32FC-9890-C305-8CDFD4B9BBA6}"/>
-              </a:ext>
-            </a:extLst>
-          </p:cNvPr>
-          <p:cNvSpPr>
-            <a:spLocks noGrp="1"/>
-          </p:cNvSpPr>
-          <p:nvPr>
-            <p:ph type="sldNum" sz="quarter" idx="12"/>
-          </p:nvPr>
-        </p:nvSpPr>
-        <p:spPr/>
-        <p:txBody>
-          <a:bodyPr/>
-          <a:lstStyle/>
-          <a:p>
-            <a:fld id="{2F00E46C-ED49-42AD-BB6D-7499E1F08A71}" type="slidenum">
-              <a:rPr lang="ko-KR" altLang="en-US" smtClean="0"/>
-              <a:t>4</a:t>
-            </a:fld>
-            <a:endParaRPr lang="ko-KR" altLang="en-US"/>
-          </a:p>
-        </p:txBody>
-      </p:sp>
-    </p:spTree>
-    <p:extLst>
-      <p:ext uri="{BB962C8B-B14F-4D97-AF65-F5344CB8AC3E}">
-        <p14:creationId xmlns:p14="http://schemas.microsoft.com/office/powerpoint/2010/main" val="1328283359"/>
-      </p:ext>
-    </p:extLst>
-  </p:cSld>
-  <p:clrMapOvr>
-    <a:masterClrMapping/>
-  </p:clrMapOvr>
-</p:sld>
-</file>
-
-<file path=ppt/slides/slide5.xml><?xml version="1.0" encoding="utf-8"?>
-<p:sld xmlns:a="http://schemas.openxmlformats.org/drawingml/2006/main" xmlns:r="http://schemas.openxmlformats.org/officeDocument/2006/relationships" xmlns:p="http://schemas.openxmlformats.org/presentationml/2006/main">
-  <p:cSld>
-    <p:spTree>
-      <p:nvGrpSpPr>
-        <p:cNvPr id="1" name=""/>
-        <p:cNvGrpSpPr/>
-        <p:nvPr/>
-      </p:nvGrpSpPr>
-      <p:grpSpPr>
-        <a:xfrm>
-          <a:off x="0" y="0"/>
-          <a:ext cx="0" cy="0"/>
-          <a:chOff x="0" y="0"/>
-          <a:chExt cx="0" cy="0"/>
-        </a:xfrm>
-      </p:grpSpPr>
-      <p:sp>
-        <p:nvSpPr>
-          <p:cNvPr id="2" name="제목 1">
-            <a:extLst>
-              <a:ext uri="{FF2B5EF4-FFF2-40B4-BE49-F238E27FC236}">
                 <a16:creationId xmlns:a16="http://schemas.microsoft.com/office/drawing/2014/main" id="{68BC3196-CF9F-8773-77E7-FA4AA52E6ABF}"/>
               </a:ext>
             </a:extLst>
@@ -5787,7 +4641,7 @@
           <a:p>
             <a:fld id="{2F00E46C-ED49-42AD-BB6D-7499E1F08A71}" type="slidenum">
               <a:rPr lang="ko-KR" altLang="en-US" smtClean="0"/>
-              <a:t>5</a:t>
+              <a:t>3</a:t>
             </a:fld>
             <a:endParaRPr lang="ko-KR" altLang="en-US"/>
           </a:p>
@@ -6196,7 +5050,7 @@
 </p:sld>
 </file>
 
-<file path=ppt/slides/slide6.xml><?xml version="1.0" encoding="utf-8"?>
+<file path=ppt/slides/slide4.xml><?xml version="1.0" encoding="utf-8"?>
 <p:sld xmlns:a="http://schemas.openxmlformats.org/drawingml/2006/main" xmlns:r="http://schemas.openxmlformats.org/officeDocument/2006/relationships" xmlns:p="http://schemas.openxmlformats.org/presentationml/2006/main">
   <p:cSld>
     <p:spTree>
@@ -6218,398 +5072,6 @@
           <p:cNvPr id="2" name="제목 1">
             <a:extLst>
               <a:ext uri="{FF2B5EF4-FFF2-40B4-BE49-F238E27FC236}">
-                <a16:creationId xmlns:a16="http://schemas.microsoft.com/office/drawing/2014/main" id="{FE9D4C76-E5C7-9A76-B020-4ED762D30088}"/>
-              </a:ext>
-            </a:extLst>
-          </p:cNvPr>
-          <p:cNvSpPr>
-            <a:spLocks noGrp="1"/>
-          </p:cNvSpPr>
-          <p:nvPr>
-            <p:ph type="title"/>
-          </p:nvPr>
-        </p:nvSpPr>
-        <p:spPr/>
-        <p:txBody>
-          <a:bodyPr>
-            <a:normAutofit/>
-          </a:bodyPr>
-          <a:lstStyle/>
-          <a:p>
-            <a:r>
-              <a:rPr lang="ko-KR" altLang="en-US" dirty="0"/>
-              <a:t>개발 하는 제품의 기능 정리</a:t>
-            </a:r>
-          </a:p>
-        </p:txBody>
-      </p:sp>
-      <p:sp>
-        <p:nvSpPr>
-          <p:cNvPr id="3" name="내용 개체 틀 2">
-            <a:extLst>
-              <a:ext uri="{FF2B5EF4-FFF2-40B4-BE49-F238E27FC236}">
-                <a16:creationId xmlns:a16="http://schemas.microsoft.com/office/drawing/2014/main" id="{87618EF2-A716-1517-1B8D-3D39C7A34D6B}"/>
-              </a:ext>
-            </a:extLst>
-          </p:cNvPr>
-          <p:cNvSpPr>
-            <a:spLocks noGrp="1"/>
-          </p:cNvSpPr>
-          <p:nvPr>
-            <p:ph idx="1"/>
-          </p:nvPr>
-        </p:nvSpPr>
-        <p:spPr/>
-        <p:txBody>
-          <a:bodyPr/>
-          <a:lstStyle/>
-          <a:p>
-            <a:pPr lvl="1"/>
-            <a:r>
-              <a:rPr lang="ko-KR" altLang="en-US" dirty="0"/>
-              <a:t>개발하는 제품의 기능들을 정의하고 각 기능의 동작 과정을 기술 할 것</a:t>
-            </a:r>
-            <a:endParaRPr lang="en-US" altLang="ko-KR" dirty="0"/>
-          </a:p>
-          <a:p>
-            <a:pPr lvl="1"/>
-            <a:r>
-              <a:rPr lang="ko-KR" altLang="en-US" dirty="0">
-                <a:solidFill>
-                  <a:srgbClr val="FF0000"/>
-                </a:solidFill>
-              </a:rPr>
-              <a:t>다음 페이지의 양식에 맞춰서 내용을 정리 할 것</a:t>
-            </a:r>
-            <a:endParaRPr lang="en-US" altLang="ko-KR" dirty="0">
-              <a:solidFill>
-                <a:srgbClr val="FF0000"/>
-              </a:solidFill>
-            </a:endParaRPr>
-          </a:p>
-        </p:txBody>
-      </p:sp>
-      <p:sp>
-        <p:nvSpPr>
-          <p:cNvPr id="4" name="슬라이드 번호 개체 틀 3">
-            <a:extLst>
-              <a:ext uri="{FF2B5EF4-FFF2-40B4-BE49-F238E27FC236}">
-                <a16:creationId xmlns:a16="http://schemas.microsoft.com/office/drawing/2014/main" id="{34EA502E-ECCE-B72D-33D7-CF571EDFEACF}"/>
-              </a:ext>
-            </a:extLst>
-          </p:cNvPr>
-          <p:cNvSpPr>
-            <a:spLocks noGrp="1"/>
-          </p:cNvSpPr>
-          <p:nvPr>
-            <p:ph type="sldNum" sz="quarter" idx="12"/>
-          </p:nvPr>
-        </p:nvSpPr>
-        <p:spPr/>
-        <p:txBody>
-          <a:bodyPr/>
-          <a:lstStyle/>
-          <a:p>
-            <a:fld id="{2F00E46C-ED49-42AD-BB6D-7499E1F08A71}" type="slidenum">
-              <a:rPr lang="ko-KR" altLang="en-US" smtClean="0"/>
-              <a:t>6</a:t>
-            </a:fld>
-            <a:endParaRPr lang="ko-KR" altLang="en-US"/>
-          </a:p>
-        </p:txBody>
-      </p:sp>
-      <p:graphicFrame>
-        <p:nvGraphicFramePr>
-          <p:cNvPr id="5" name="표 5">
-            <a:extLst>
-              <a:ext uri="{FF2B5EF4-FFF2-40B4-BE49-F238E27FC236}">
-                <a16:creationId xmlns:a16="http://schemas.microsoft.com/office/drawing/2014/main" id="{C7127AA4-778F-B997-173A-3F99D6E9479C}"/>
-              </a:ext>
-            </a:extLst>
-          </p:cNvPr>
-          <p:cNvGraphicFramePr>
-            <a:graphicFrameLocks/>
-          </p:cNvGraphicFramePr>
-          <p:nvPr>
-            <p:extLst>
-              <p:ext uri="{D42A27DB-BD31-4B8C-83A1-F6EECF244321}">
-                <p14:modId xmlns:p14="http://schemas.microsoft.com/office/powerpoint/2010/main" val="3827008890"/>
-              </p:ext>
-            </p:extLst>
-          </p:nvPr>
-        </p:nvGraphicFramePr>
-        <p:xfrm>
-          <a:off x="633479" y="2240280"/>
-          <a:ext cx="8070574" cy="1483360"/>
-        </p:xfrm>
-        <a:graphic>
-          <a:graphicData uri="http://schemas.openxmlformats.org/drawingml/2006/table">
-            <a:tbl>
-              <a:tblPr firstRow="1" bandRow="1">
-                <a:tableStyleId>{5940675A-B579-460E-94D1-54222C63F5DA}</a:tableStyleId>
-              </a:tblPr>
-              <a:tblGrid>
-                <a:gridCol w="1808922">
-                  <a:extLst>
-                    <a:ext uri="{9D8B030D-6E8A-4147-A177-3AD203B41FA5}">
-                      <a16:colId xmlns:a16="http://schemas.microsoft.com/office/drawing/2014/main" val="3866502814"/>
-                    </a:ext>
-                  </a:extLst>
-                </a:gridCol>
-                <a:gridCol w="4025347">
-                  <a:extLst>
-                    <a:ext uri="{9D8B030D-6E8A-4147-A177-3AD203B41FA5}">
-                      <a16:colId xmlns:a16="http://schemas.microsoft.com/office/drawing/2014/main" val="3941804966"/>
-                    </a:ext>
-                  </a:extLst>
-                </a:gridCol>
-                <a:gridCol w="2236305">
-                  <a:extLst>
-                    <a:ext uri="{9D8B030D-6E8A-4147-A177-3AD203B41FA5}">
-                      <a16:colId xmlns:a16="http://schemas.microsoft.com/office/drawing/2014/main" val="601597584"/>
-                    </a:ext>
-                  </a:extLst>
-                </a:gridCol>
-              </a:tblGrid>
-              <a:tr h="370840">
-                <a:tc>
-                  <a:txBody>
-                    <a:bodyPr/>
-                    <a:lstStyle/>
-                    <a:p>
-                      <a:pPr algn="ctr" latinLnBrk="1"/>
-                      <a:r>
-                        <a:rPr lang="ko-KR" altLang="en-US" sz="1200" dirty="0"/>
-                        <a:t>기능 명</a:t>
-                      </a:r>
-                      <a:endParaRPr lang="en-US" altLang="ko-KR" sz="1200" dirty="0"/>
-                    </a:p>
-                  </a:txBody>
-                  <a:tcPr anchor="ctr"/>
-                </a:tc>
-                <a:tc>
-                  <a:txBody>
-                    <a:bodyPr/>
-                    <a:lstStyle/>
-                    <a:p>
-                      <a:pPr algn="ctr" latinLnBrk="1"/>
-                      <a:r>
-                        <a:rPr lang="ko-KR" altLang="en-US" sz="1200" dirty="0"/>
-                        <a:t>세부 기능 및 동작과정</a:t>
-                      </a:r>
-                    </a:p>
-                  </a:txBody>
-                  <a:tcPr anchor="ctr"/>
-                </a:tc>
-                <a:tc>
-                  <a:txBody>
-                    <a:bodyPr/>
-                    <a:lstStyle/>
-                    <a:p>
-                      <a:pPr algn="ctr" latinLnBrk="1"/>
-                      <a:r>
-                        <a:rPr lang="ko-KR" altLang="en-US" sz="1200" dirty="0"/>
-                        <a:t>비고</a:t>
-                      </a:r>
-                    </a:p>
-                  </a:txBody>
-                  <a:tcPr anchor="ctr"/>
-                </a:tc>
-                <a:extLst>
-                  <a:ext uri="{0D108BD9-81ED-4DB2-BD59-A6C34878D82A}">
-                    <a16:rowId xmlns:a16="http://schemas.microsoft.com/office/drawing/2014/main" val="298151624"/>
-                  </a:ext>
-                </a:extLst>
-              </a:tr>
-              <a:tr h="370840">
-                <a:tc>
-                  <a:txBody>
-                    <a:bodyPr/>
-                    <a:lstStyle/>
-                    <a:p>
-                      <a:pPr algn="l" latinLnBrk="1"/>
-                      <a:r>
-                        <a:rPr lang="en-US" altLang="ko-KR" sz="1200" dirty="0"/>
-                        <a:t>A  </a:t>
-                      </a:r>
-                      <a:r>
-                        <a:rPr lang="ko-KR" altLang="en-US" sz="1200" dirty="0"/>
-                        <a:t>기능</a:t>
-                      </a:r>
-                    </a:p>
-                  </a:txBody>
-                  <a:tcPr anchor="ctr"/>
-                </a:tc>
-                <a:tc>
-                  <a:txBody>
-                    <a:bodyPr/>
-                    <a:lstStyle/>
-                    <a:p>
-                      <a:pPr marL="171450" indent="-171450" algn="l" latinLnBrk="1">
-                        <a:buFontTx/>
-                        <a:buChar char="-"/>
-                      </a:pPr>
-                      <a:endParaRPr lang="ko-KR" altLang="en-US" sz="1200" dirty="0"/>
-                    </a:p>
-                  </a:txBody>
-                  <a:tcPr anchor="ctr"/>
-                </a:tc>
-                <a:tc>
-                  <a:txBody>
-                    <a:bodyPr/>
-                    <a:lstStyle/>
-                    <a:p>
-                      <a:pPr algn="l" latinLnBrk="1"/>
-                      <a:endParaRPr lang="ko-KR" altLang="en-US" sz="1200" dirty="0"/>
-                    </a:p>
-                  </a:txBody>
-                  <a:tcPr anchor="ctr"/>
-                </a:tc>
-                <a:extLst>
-                  <a:ext uri="{0D108BD9-81ED-4DB2-BD59-A6C34878D82A}">
-                    <a16:rowId xmlns:a16="http://schemas.microsoft.com/office/drawing/2014/main" val="103744073"/>
-                  </a:ext>
-                </a:extLst>
-              </a:tr>
-              <a:tr h="370840">
-                <a:tc>
-                  <a:txBody>
-                    <a:bodyPr/>
-                    <a:lstStyle/>
-                    <a:p>
-                      <a:pPr algn="l" latinLnBrk="1"/>
-                      <a:r>
-                        <a:rPr lang="en-US" altLang="ko-KR" sz="1200" dirty="0"/>
-                        <a:t>B  </a:t>
-                      </a:r>
-                      <a:r>
-                        <a:rPr lang="ko-KR" altLang="en-US" sz="1200" dirty="0"/>
-                        <a:t>기능</a:t>
-                      </a:r>
-                    </a:p>
-                  </a:txBody>
-                  <a:tcPr anchor="ctr"/>
-                </a:tc>
-                <a:tc>
-                  <a:txBody>
-                    <a:bodyPr/>
-                    <a:lstStyle/>
-                    <a:p>
-                      <a:pPr marL="171450" indent="-171450" algn="l" latinLnBrk="1">
-                        <a:buFontTx/>
-                        <a:buChar char="-"/>
-                      </a:pPr>
-                      <a:endParaRPr lang="ko-KR" altLang="en-US" sz="1200" dirty="0"/>
-                    </a:p>
-                  </a:txBody>
-                  <a:tcPr anchor="ctr"/>
-                </a:tc>
-                <a:tc>
-                  <a:txBody>
-                    <a:bodyPr/>
-                    <a:lstStyle/>
-                    <a:p>
-                      <a:pPr algn="l" latinLnBrk="1"/>
-                      <a:endParaRPr lang="ko-KR" altLang="en-US" sz="1200" dirty="0"/>
-                    </a:p>
-                  </a:txBody>
-                  <a:tcPr anchor="ctr"/>
-                </a:tc>
-                <a:extLst>
-                  <a:ext uri="{0D108BD9-81ED-4DB2-BD59-A6C34878D82A}">
-                    <a16:rowId xmlns:a16="http://schemas.microsoft.com/office/drawing/2014/main" val="4262808540"/>
-                  </a:ext>
-                </a:extLst>
-              </a:tr>
-              <a:tr h="370840">
-                <a:tc>
-                  <a:txBody>
-                    <a:bodyPr/>
-                    <a:lstStyle/>
-                    <a:p>
-                      <a:pPr algn="l" latinLnBrk="1"/>
-                      <a:r>
-                        <a:rPr lang="en-US" altLang="ko-KR" sz="1200" dirty="0"/>
-                        <a:t>C  </a:t>
-                      </a:r>
-                      <a:r>
-                        <a:rPr lang="ko-KR" altLang="en-US" sz="1200" dirty="0"/>
-                        <a:t>기능</a:t>
-                      </a:r>
-                    </a:p>
-                  </a:txBody>
-                  <a:tcPr anchor="ctr"/>
-                </a:tc>
-                <a:tc>
-                  <a:txBody>
-                    <a:bodyPr/>
-                    <a:lstStyle/>
-                    <a:p>
-                      <a:pPr marL="171450" indent="-171450" algn="l" latinLnBrk="1">
-                        <a:buFontTx/>
-                        <a:buChar char="-"/>
-                      </a:pPr>
-                      <a:endParaRPr lang="ko-KR" altLang="en-US" sz="1200" dirty="0"/>
-                    </a:p>
-                  </a:txBody>
-                  <a:tcPr anchor="ctr"/>
-                </a:tc>
-                <a:tc>
-                  <a:txBody>
-                    <a:bodyPr/>
-                    <a:lstStyle/>
-                    <a:p>
-                      <a:pPr algn="l" latinLnBrk="1"/>
-                      <a:endParaRPr lang="ko-KR" altLang="en-US" sz="1200" dirty="0"/>
-                    </a:p>
-                  </a:txBody>
-                  <a:tcPr anchor="ctr"/>
-                </a:tc>
-                <a:extLst>
-                  <a:ext uri="{0D108BD9-81ED-4DB2-BD59-A6C34878D82A}">
-                    <a16:rowId xmlns:a16="http://schemas.microsoft.com/office/drawing/2014/main" val="750681990"/>
-                  </a:ext>
-                </a:extLst>
-              </a:tr>
-            </a:tbl>
-          </a:graphicData>
-        </a:graphic>
-      </p:graphicFrame>
-    </p:spTree>
-    <p:extLst>
-      <p:ext uri="{BB962C8B-B14F-4D97-AF65-F5344CB8AC3E}">
-        <p14:creationId xmlns:p14="http://schemas.microsoft.com/office/powerpoint/2010/main" val="3128905828"/>
-      </p:ext>
-    </p:extLst>
-  </p:cSld>
-  <p:clrMapOvr>
-    <a:masterClrMapping/>
-  </p:clrMapOvr>
-</p:sld>
-</file>
-
-<file path=ppt/slides/slide7.xml><?xml version="1.0" encoding="utf-8"?>
-<p:sld xmlns:a="http://schemas.openxmlformats.org/drawingml/2006/main" xmlns:r="http://schemas.openxmlformats.org/officeDocument/2006/relationships" xmlns:p="http://schemas.openxmlformats.org/presentationml/2006/main">
-  <p:cSld>
-    <p:spTree>
-      <p:nvGrpSpPr>
-        <p:cNvPr id="1" name=""/>
-        <p:cNvGrpSpPr/>
-        <p:nvPr/>
-      </p:nvGrpSpPr>
-      <p:grpSpPr>
-        <a:xfrm>
-          <a:off x="0" y="0"/>
-          <a:ext cx="0" cy="0"/>
-          <a:chOff x="0" y="0"/>
-          <a:chExt cx="0" cy="0"/>
-        </a:xfrm>
-      </p:grpSpPr>
-      <p:sp>
-        <p:nvSpPr>
-          <p:cNvPr id="2" name="제목 1">
-            <a:extLst>
-              <a:ext uri="{FF2B5EF4-FFF2-40B4-BE49-F238E27FC236}">
                 <a16:creationId xmlns:a16="http://schemas.microsoft.com/office/drawing/2014/main" id="{822112DE-70CB-464F-F712-1AF50348D75E}"/>
               </a:ext>
             </a:extLst>
@@ -6656,7 +5118,7 @@
           <a:p>
             <a:fld id="{2F00E46C-ED49-42AD-BB6D-7499E1F08A71}" type="slidenum">
               <a:rPr lang="ko-KR" altLang="en-US" smtClean="0"/>
-              <a:t>7</a:t>
+              <a:t>4</a:t>
             </a:fld>
             <a:endParaRPr lang="ko-KR" altLang="en-US"/>
           </a:p>
@@ -7268,7 +5730,7 @@
 </p:sld>
 </file>
 
-<file path=ppt/slides/slide8.xml><?xml version="1.0" encoding="utf-8"?>
+<file path=ppt/slides/slide5.xml><?xml version="1.0" encoding="utf-8"?>
 <p:sld xmlns:a="http://schemas.openxmlformats.org/drawingml/2006/main" xmlns:r="http://schemas.openxmlformats.org/officeDocument/2006/relationships" xmlns:p="http://schemas.openxmlformats.org/presentationml/2006/main">
   <p:cSld>
     <p:spTree>
@@ -7345,7 +5807,7 @@
           <a:p>
             <a:fld id="{2F00E46C-ED49-42AD-BB6D-7499E1F08A71}" type="slidenum">
               <a:rPr lang="ko-KR" altLang="en-US" smtClean="0"/>
-              <a:t>8</a:t>
+              <a:t>5</a:t>
             </a:fld>
             <a:endParaRPr lang="ko-KR" altLang="en-US"/>
           </a:p>
@@ -8175,136 +6637,6 @@
 </p:sld>
 </file>
 
-<file path=ppt/slides/slide9.xml><?xml version="1.0" encoding="utf-8"?>
-<p:sld xmlns:a="http://schemas.openxmlformats.org/drawingml/2006/main" xmlns:r="http://schemas.openxmlformats.org/officeDocument/2006/relationships" xmlns:p="http://schemas.openxmlformats.org/presentationml/2006/main">
-  <p:cSld>
-    <p:spTree>
-      <p:nvGrpSpPr>
-        <p:cNvPr id="1" name=""/>
-        <p:cNvGrpSpPr/>
-        <p:nvPr/>
-      </p:nvGrpSpPr>
-      <p:grpSpPr>
-        <a:xfrm>
-          <a:off x="0" y="0"/>
-          <a:ext cx="0" cy="0"/>
-          <a:chOff x="0" y="0"/>
-          <a:chExt cx="0" cy="0"/>
-        </a:xfrm>
-      </p:grpSpPr>
-      <p:sp>
-        <p:nvSpPr>
-          <p:cNvPr id="2" name="제목 1">
-            <a:extLst>
-              <a:ext uri="{FF2B5EF4-FFF2-40B4-BE49-F238E27FC236}">
-                <a16:creationId xmlns:a16="http://schemas.microsoft.com/office/drawing/2014/main" id="{62F73A81-726C-007A-C2B5-03628E3FFFF1}"/>
-              </a:ext>
-            </a:extLst>
-          </p:cNvPr>
-          <p:cNvSpPr>
-            <a:spLocks noGrp="1"/>
-          </p:cNvSpPr>
-          <p:nvPr>
-            <p:ph type="title"/>
-          </p:nvPr>
-        </p:nvSpPr>
-        <p:spPr/>
-        <p:txBody>
-          <a:bodyPr/>
-          <a:lstStyle/>
-          <a:p>
-            <a:r>
-              <a:rPr lang="ko-KR" altLang="en-US" dirty="0"/>
-              <a:t>개발 일정</a:t>
-            </a:r>
-          </a:p>
-        </p:txBody>
-      </p:sp>
-      <p:sp>
-        <p:nvSpPr>
-          <p:cNvPr id="4" name="슬라이드 번호 개체 틀 3">
-            <a:extLst>
-              <a:ext uri="{FF2B5EF4-FFF2-40B4-BE49-F238E27FC236}">
-                <a16:creationId xmlns:a16="http://schemas.microsoft.com/office/drawing/2014/main" id="{C8E97F3D-097C-351D-A8B4-876042464896}"/>
-              </a:ext>
-            </a:extLst>
-          </p:cNvPr>
-          <p:cNvSpPr>
-            <a:spLocks noGrp="1"/>
-          </p:cNvSpPr>
-          <p:nvPr>
-            <p:ph type="sldNum" sz="quarter" idx="12"/>
-          </p:nvPr>
-        </p:nvSpPr>
-        <p:spPr/>
-        <p:txBody>
-          <a:bodyPr/>
-          <a:lstStyle/>
-          <a:p>
-            <a:fld id="{2F00E46C-ED49-42AD-BB6D-7499E1F08A71}" type="slidenum">
-              <a:rPr lang="ko-KR" altLang="en-US" smtClean="0"/>
-              <a:t>9</a:t>
-            </a:fld>
-            <a:endParaRPr lang="ko-KR" altLang="en-US"/>
-          </a:p>
-        </p:txBody>
-      </p:sp>
-      <p:sp>
-        <p:nvSpPr>
-          <p:cNvPr id="7" name="내용 개체 틀 6">
-            <a:extLst>
-              <a:ext uri="{FF2B5EF4-FFF2-40B4-BE49-F238E27FC236}">
-                <a16:creationId xmlns:a16="http://schemas.microsoft.com/office/drawing/2014/main" id="{D6DE8D54-E104-01C6-EE9D-DB02E823A3D9}"/>
-              </a:ext>
-            </a:extLst>
-          </p:cNvPr>
-          <p:cNvSpPr>
-            <a:spLocks noGrp="1"/>
-          </p:cNvSpPr>
-          <p:nvPr>
-            <p:ph idx="1"/>
-          </p:nvPr>
-        </p:nvSpPr>
-        <p:spPr/>
-        <p:txBody>
-          <a:bodyPr/>
-          <a:lstStyle/>
-          <a:p>
-            <a:r>
-              <a:rPr lang="ko-KR" altLang="en-US" dirty="0"/>
-              <a:t>자유 양식</a:t>
-            </a:r>
-            <a:endParaRPr lang="en-US" altLang="ko-KR" dirty="0"/>
-          </a:p>
-          <a:p>
-            <a:r>
-              <a:rPr lang="ko-KR" altLang="en-US" dirty="0"/>
-              <a:t>기간</a:t>
-            </a:r>
-            <a:r>
-              <a:rPr lang="en-US" altLang="ko-KR" dirty="0"/>
-              <a:t>-</a:t>
-            </a:r>
-            <a:r>
-              <a:rPr lang="ko-KR" altLang="en-US" dirty="0"/>
-              <a:t>개발내용 기술</a:t>
-            </a:r>
-          </a:p>
-        </p:txBody>
-      </p:sp>
-    </p:spTree>
-    <p:extLst>
-      <p:ext uri="{BB962C8B-B14F-4D97-AF65-F5344CB8AC3E}">
-        <p14:creationId xmlns:p14="http://schemas.microsoft.com/office/powerpoint/2010/main" val="3759672901"/>
-      </p:ext>
-    </p:extLst>
-  </p:cSld>
-  <p:clrMapOvr>
-    <a:masterClrMapping/>
-  </p:clrMapOvr>
-</p:sld>
-</file>
-
 <file path=ppt/theme/theme1.xml><?xml version="1.0" encoding="utf-8"?>
 <a:theme xmlns:a="http://schemas.openxmlformats.org/drawingml/2006/main" name="Office 테마">
   <a:themeElements>
